--- a/automatikusteszteles_Marci.pptx
+++ b/automatikusteszteles_Marci.pptx
@@ -160,6 +160,22 @@
     </p:ext>
   </p:extLst>
 </p:presentation>
+</file>
+
+<file path=ppt/commentAuthors.xml><?xml version="1.0" encoding="utf-8"?>
+<p:cmAuthorLst xmlns:a="http://schemas.openxmlformats.org/drawingml/2006/main" xmlns:r="http://schemas.openxmlformats.org/officeDocument/2006/relationships" xmlns:p="http://schemas.openxmlformats.org/presentationml/2006/main">
+  <p:cmAuthor id="1" name="Kövér Márton" initials="KM" lastIdx="1" clrIdx="0">
+    <p:extLst>
+      <p:ext uri="{19B8F6BF-5375-455C-9EA6-DF929625EA0E}">
+        <p15:presenceInfo xmlns:p15="http://schemas.microsoft.com/office/powerpoint/2012/main" userId="2c5ce833b5e2c65f" providerId="Windows Live"/>
+      </p:ext>
+    </p:extLst>
+  </p:cmAuthor>
+</p:cmAuthorLst>
+</file>
+
+<file path=ppt/revisionInfo.xml><?xml version="1.0" encoding="utf-8"?>
+<p1510:revInfo xmlns:a="http://schemas.openxmlformats.org/drawingml/2006/main" xmlns:r="http://schemas.openxmlformats.org/officeDocument/2006/relationships" xmlns:p1510="http://schemas.microsoft.com/office/powerpoint/2015/10/main"/>
 </file>
 
 <file path=ppt/changesInfos/changesInfo1.xml><?xml version="1.0" encoding="utf-8"?>
@@ -398,6 +414,20 @@
 </pc:chgInfo>
 </file>
 
+<file path=ppt/comments/comment1.xml><?xml version="1.0" encoding="utf-8"?>
+<p:cmLst xmlns:a="http://schemas.openxmlformats.org/drawingml/2006/main" xmlns:r="http://schemas.openxmlformats.org/officeDocument/2006/relationships" xmlns:p="http://schemas.openxmlformats.org/presentationml/2006/main">
+  <p:cm authorId="1" dt="2017-12-05T12:43:01.359" idx="1">
+    <p:pos x="10" y="10"/>
+    <p:text/>
+    <p:extLst>
+      <p:ext uri="{C676402C-5697-4E1C-873F-D02D1690AC5C}">
+        <p15:threadingInfo xmlns:p15="http://schemas.microsoft.com/office/powerpoint/2012/main" timeZoneBias="-60"/>
+      </p:ext>
+    </p:extLst>
+  </p:cm>
+</p:cmLst>
+</file>
+
 <file path=ppt/handoutMasters/handoutMaster1.xml><?xml version="1.0" encoding="utf-8"?>
 <p:handoutMaster xmlns:a="http://schemas.openxmlformats.org/drawingml/2006/main" xmlns:r="http://schemas.openxmlformats.org/officeDocument/2006/relationships" xmlns:p="http://schemas.openxmlformats.org/presentationml/2006/main">
   <p:cSld>
@@ -480,7 +510,7 @@
           <a:p>
             <a:fld id="{D320DF98-73A7-40A6-8A84-2EB5B4F2C4CC}" type="datetimeFigureOut">
               <a:rPr lang="hu-HU" smtClean="0"/>
-              <a:t>2017. 12. 04.</a:t>
+              <a:t>2017. 12. 05.</a:t>
             </a:fld>
             <a:endParaRPr lang="hu-HU"/>
           </a:p>
@@ -646,7 +676,7 @@
             <a:fld id="{B9130191-0BE1-0142-AFC1-0297AE024A0E}" type="datetimeFigureOut">
               <a:rPr lang="en-US" smtClean="0"/>
               <a:pPr/>
-              <a:t>12/4/2017</a:t>
+              <a:t>12/5/2017</a:t>
             </a:fld>
             <a:endParaRPr lang="en-US"/>
           </a:p>
@@ -7258,6 +7288,295 @@
   <p:clrMapOvr>
     <a:masterClrMapping/>
   </p:clrMapOvr>
+  <p:timing>
+    <p:tnLst>
+      <p:par>
+        <p:cTn id="1" dur="indefinite" restart="never" nodeType="tmRoot">
+          <p:childTnLst>
+            <p:seq concurrent="1" nextAc="seek">
+              <p:cTn id="2" dur="indefinite" nodeType="mainSeq">
+                <p:childTnLst>
+                  <p:par>
+                    <p:cTn id="3" fill="hold">
+                      <p:stCondLst>
+                        <p:cond delay="indefinite"/>
+                        <p:cond evt="onBegin" delay="0">
+                          <p:tn val="2"/>
+                        </p:cond>
+                      </p:stCondLst>
+                      <p:childTnLst>
+                        <p:par>
+                          <p:cTn id="4" fill="hold">
+                            <p:stCondLst>
+                              <p:cond delay="0"/>
+                            </p:stCondLst>
+                            <p:childTnLst>
+                              <p:par>
+                                <p:cTn id="5" presetID="1" presetClass="entr" presetSubtype="0" fill="hold" grpId="0" nodeType="afterEffect">
+                                  <p:stCondLst>
+                                    <p:cond delay="0"/>
+                                  </p:stCondLst>
+                                  <p:childTnLst>
+                                    <p:set>
+                                      <p:cBhvr>
+                                        <p:cTn id="6" dur="1" fill="hold">
+                                          <p:stCondLst>
+                                            <p:cond delay="0"/>
+                                          </p:stCondLst>
+                                        </p:cTn>
+                                        <p:tgtEl>
+                                          <p:spTgt spid="3">
+                                            <p:txEl>
+                                              <p:pRg st="0" end="0"/>
+                                            </p:txEl>
+                                          </p:spTgt>
+                                        </p:tgtEl>
+                                        <p:attrNameLst>
+                                          <p:attrName>style.visibility</p:attrName>
+                                        </p:attrNameLst>
+                                      </p:cBhvr>
+                                      <p:to>
+                                        <p:strVal val="visible"/>
+                                      </p:to>
+                                    </p:set>
+                                  </p:childTnLst>
+                                </p:cTn>
+                              </p:par>
+                              <p:par>
+                                <p:cTn id="7" presetID="1" presetClass="entr" presetSubtype="0" fill="hold" grpId="0" nodeType="withEffect">
+                                  <p:stCondLst>
+                                    <p:cond delay="0"/>
+                                  </p:stCondLst>
+                                  <p:childTnLst>
+                                    <p:set>
+                                      <p:cBhvr>
+                                        <p:cTn id="8" dur="1" fill="hold">
+                                          <p:stCondLst>
+                                            <p:cond delay="0"/>
+                                          </p:stCondLst>
+                                        </p:cTn>
+                                        <p:tgtEl>
+                                          <p:spTgt spid="3">
+                                            <p:txEl>
+                                              <p:pRg st="1" end="1"/>
+                                            </p:txEl>
+                                          </p:spTgt>
+                                        </p:tgtEl>
+                                        <p:attrNameLst>
+                                          <p:attrName>style.visibility</p:attrName>
+                                        </p:attrNameLst>
+                                      </p:cBhvr>
+                                      <p:to>
+                                        <p:strVal val="visible"/>
+                                      </p:to>
+                                    </p:set>
+                                  </p:childTnLst>
+                                </p:cTn>
+                              </p:par>
+                              <p:par>
+                                <p:cTn id="9" presetID="1" presetClass="entr" presetSubtype="0" fill="hold" grpId="0" nodeType="withEffect">
+                                  <p:stCondLst>
+                                    <p:cond delay="0"/>
+                                  </p:stCondLst>
+                                  <p:childTnLst>
+                                    <p:set>
+                                      <p:cBhvr>
+                                        <p:cTn id="10" dur="1" fill="hold">
+                                          <p:stCondLst>
+                                            <p:cond delay="0"/>
+                                          </p:stCondLst>
+                                        </p:cTn>
+                                        <p:tgtEl>
+                                          <p:spTgt spid="3">
+                                            <p:txEl>
+                                              <p:pRg st="2" end="2"/>
+                                            </p:txEl>
+                                          </p:spTgt>
+                                        </p:tgtEl>
+                                        <p:attrNameLst>
+                                          <p:attrName>style.visibility</p:attrName>
+                                        </p:attrNameLst>
+                                      </p:cBhvr>
+                                      <p:to>
+                                        <p:strVal val="visible"/>
+                                      </p:to>
+                                    </p:set>
+                                  </p:childTnLst>
+                                </p:cTn>
+                              </p:par>
+                              <p:par>
+                                <p:cTn id="11" presetID="1" presetClass="entr" presetSubtype="0" fill="hold" grpId="0" nodeType="withEffect">
+                                  <p:stCondLst>
+                                    <p:cond delay="0"/>
+                                  </p:stCondLst>
+                                  <p:childTnLst>
+                                    <p:set>
+                                      <p:cBhvr>
+                                        <p:cTn id="12" dur="1" fill="hold">
+                                          <p:stCondLst>
+                                            <p:cond delay="0"/>
+                                          </p:stCondLst>
+                                        </p:cTn>
+                                        <p:tgtEl>
+                                          <p:spTgt spid="3">
+                                            <p:txEl>
+                                              <p:pRg st="3" end="3"/>
+                                            </p:txEl>
+                                          </p:spTgt>
+                                        </p:tgtEl>
+                                        <p:attrNameLst>
+                                          <p:attrName>style.visibility</p:attrName>
+                                        </p:attrNameLst>
+                                      </p:cBhvr>
+                                      <p:to>
+                                        <p:strVal val="visible"/>
+                                      </p:to>
+                                    </p:set>
+                                  </p:childTnLst>
+                                </p:cTn>
+                              </p:par>
+                            </p:childTnLst>
+                          </p:cTn>
+                        </p:par>
+                      </p:childTnLst>
+                    </p:cTn>
+                  </p:par>
+                  <p:par>
+                    <p:cTn id="13" fill="hold">
+                      <p:stCondLst>
+                        <p:cond delay="indefinite"/>
+                      </p:stCondLst>
+                      <p:childTnLst>
+                        <p:par>
+                          <p:cTn id="14" fill="hold">
+                            <p:stCondLst>
+                              <p:cond delay="0"/>
+                            </p:stCondLst>
+                            <p:childTnLst>
+                              <p:par>
+                                <p:cTn id="15" presetID="1" presetClass="entr" presetSubtype="0" fill="hold" grpId="0" nodeType="clickEffect">
+                                  <p:stCondLst>
+                                    <p:cond delay="0"/>
+                                  </p:stCondLst>
+                                  <p:childTnLst>
+                                    <p:set>
+                                      <p:cBhvr>
+                                        <p:cTn id="16" dur="1" fill="hold">
+                                          <p:stCondLst>
+                                            <p:cond delay="0"/>
+                                          </p:stCondLst>
+                                        </p:cTn>
+                                        <p:tgtEl>
+                                          <p:spTgt spid="3">
+                                            <p:txEl>
+                                              <p:pRg st="4" end="4"/>
+                                            </p:txEl>
+                                          </p:spTgt>
+                                        </p:tgtEl>
+                                        <p:attrNameLst>
+                                          <p:attrName>style.visibility</p:attrName>
+                                        </p:attrNameLst>
+                                      </p:cBhvr>
+                                      <p:to>
+                                        <p:strVal val="visible"/>
+                                      </p:to>
+                                    </p:set>
+                                  </p:childTnLst>
+                                </p:cTn>
+                              </p:par>
+                              <p:par>
+                                <p:cTn id="17" presetID="1" presetClass="entr" presetSubtype="0" fill="hold" grpId="0" nodeType="withEffect">
+                                  <p:stCondLst>
+                                    <p:cond delay="0"/>
+                                  </p:stCondLst>
+                                  <p:childTnLst>
+                                    <p:set>
+                                      <p:cBhvr>
+                                        <p:cTn id="18" dur="1" fill="hold">
+                                          <p:stCondLst>
+                                            <p:cond delay="0"/>
+                                          </p:stCondLst>
+                                        </p:cTn>
+                                        <p:tgtEl>
+                                          <p:spTgt spid="3">
+                                            <p:txEl>
+                                              <p:pRg st="5" end="5"/>
+                                            </p:txEl>
+                                          </p:spTgt>
+                                        </p:tgtEl>
+                                        <p:attrNameLst>
+                                          <p:attrName>style.visibility</p:attrName>
+                                        </p:attrNameLst>
+                                      </p:cBhvr>
+                                      <p:to>
+                                        <p:strVal val="visible"/>
+                                      </p:to>
+                                    </p:set>
+                                  </p:childTnLst>
+                                </p:cTn>
+                              </p:par>
+                              <p:par>
+                                <p:cTn id="19" presetID="1" presetClass="entr" presetSubtype="0" fill="hold" grpId="0" nodeType="withEffect">
+                                  <p:stCondLst>
+                                    <p:cond delay="0"/>
+                                  </p:stCondLst>
+                                  <p:childTnLst>
+                                    <p:set>
+                                      <p:cBhvr>
+                                        <p:cTn id="20" dur="1" fill="hold">
+                                          <p:stCondLst>
+                                            <p:cond delay="0"/>
+                                          </p:stCondLst>
+                                        </p:cTn>
+                                        <p:tgtEl>
+                                          <p:spTgt spid="3">
+                                            <p:txEl>
+                                              <p:pRg st="6" end="6"/>
+                                            </p:txEl>
+                                          </p:spTgt>
+                                        </p:tgtEl>
+                                        <p:attrNameLst>
+                                          <p:attrName>style.visibility</p:attrName>
+                                        </p:attrNameLst>
+                                      </p:cBhvr>
+                                      <p:to>
+                                        <p:strVal val="visible"/>
+                                      </p:to>
+                                    </p:set>
+                                  </p:childTnLst>
+                                </p:cTn>
+                              </p:par>
+                            </p:childTnLst>
+                          </p:cTn>
+                        </p:par>
+                      </p:childTnLst>
+                    </p:cTn>
+                  </p:par>
+                </p:childTnLst>
+              </p:cTn>
+              <p:prevCondLst>
+                <p:cond evt="onPrev" delay="0">
+                  <p:tgtEl>
+                    <p:sldTgt/>
+                  </p:tgtEl>
+                </p:cond>
+              </p:prevCondLst>
+              <p:nextCondLst>
+                <p:cond evt="onNext" delay="0">
+                  <p:tgtEl>
+                    <p:sldTgt/>
+                  </p:tgtEl>
+                </p:cond>
+              </p:nextCondLst>
+            </p:seq>
+          </p:childTnLst>
+        </p:cTn>
+      </p:par>
+    </p:tnLst>
+    <p:bldLst>
+      <p:bldP spid="3" grpId="0" uiExpand="1" build="p"/>
+    </p:bldLst>
+  </p:timing>
 </p:sld>
 </file>
 
@@ -7905,6 +8224,326 @@
   <p:clrMapOvr>
     <a:masterClrMapping/>
   </p:clrMapOvr>
+  <p:timing>
+    <p:tnLst>
+      <p:par>
+        <p:cTn id="1" dur="indefinite" restart="never" nodeType="tmRoot">
+          <p:childTnLst>
+            <p:seq concurrent="1" nextAc="seek">
+              <p:cTn id="2" dur="indefinite" nodeType="mainSeq">
+                <p:childTnLst>
+                  <p:par>
+                    <p:cTn id="3" fill="hold">
+                      <p:stCondLst>
+                        <p:cond delay="indefinite"/>
+                        <p:cond evt="onBegin" delay="0">
+                          <p:tn val="2"/>
+                        </p:cond>
+                      </p:stCondLst>
+                      <p:childTnLst>
+                        <p:par>
+                          <p:cTn id="4" fill="hold">
+                            <p:stCondLst>
+                              <p:cond delay="0"/>
+                            </p:stCondLst>
+                            <p:childTnLst>
+                              <p:par>
+                                <p:cTn id="5" presetID="1" presetClass="entr" presetSubtype="0" fill="hold" grpId="0" nodeType="withEffect">
+                                  <p:stCondLst>
+                                    <p:cond delay="0"/>
+                                  </p:stCondLst>
+                                  <p:childTnLst>
+                                    <p:set>
+                                      <p:cBhvr>
+                                        <p:cTn id="6" dur="1" fill="hold">
+                                          <p:stCondLst>
+                                            <p:cond delay="0"/>
+                                          </p:stCondLst>
+                                        </p:cTn>
+                                        <p:tgtEl>
+                                          <p:spTgt spid="3">
+                                            <p:txEl>
+                                              <p:pRg st="0" end="0"/>
+                                            </p:txEl>
+                                          </p:spTgt>
+                                        </p:tgtEl>
+                                        <p:attrNameLst>
+                                          <p:attrName>style.visibility</p:attrName>
+                                        </p:attrNameLst>
+                                      </p:cBhvr>
+                                      <p:to>
+                                        <p:strVal val="visible"/>
+                                      </p:to>
+                                    </p:set>
+                                  </p:childTnLst>
+                                </p:cTn>
+                              </p:par>
+                              <p:par>
+                                <p:cTn id="7" presetID="1" presetClass="entr" presetSubtype="0" fill="hold" grpId="0" nodeType="withEffect">
+                                  <p:stCondLst>
+                                    <p:cond delay="0"/>
+                                  </p:stCondLst>
+                                  <p:childTnLst>
+                                    <p:set>
+                                      <p:cBhvr>
+                                        <p:cTn id="8" dur="1" fill="hold">
+                                          <p:stCondLst>
+                                            <p:cond delay="0"/>
+                                          </p:stCondLst>
+                                        </p:cTn>
+                                        <p:tgtEl>
+                                          <p:spTgt spid="3">
+                                            <p:txEl>
+                                              <p:pRg st="1" end="1"/>
+                                            </p:txEl>
+                                          </p:spTgt>
+                                        </p:tgtEl>
+                                        <p:attrNameLst>
+                                          <p:attrName>style.visibility</p:attrName>
+                                        </p:attrNameLst>
+                                      </p:cBhvr>
+                                      <p:to>
+                                        <p:strVal val="visible"/>
+                                      </p:to>
+                                    </p:set>
+                                  </p:childTnLst>
+                                </p:cTn>
+                              </p:par>
+                            </p:childTnLst>
+                          </p:cTn>
+                        </p:par>
+                      </p:childTnLst>
+                    </p:cTn>
+                  </p:par>
+                  <p:par>
+                    <p:cTn id="9" fill="hold">
+                      <p:stCondLst>
+                        <p:cond delay="indefinite"/>
+                      </p:stCondLst>
+                      <p:childTnLst>
+                        <p:par>
+                          <p:cTn id="10" fill="hold">
+                            <p:stCondLst>
+                              <p:cond delay="0"/>
+                            </p:stCondLst>
+                            <p:childTnLst>
+                              <p:par>
+                                <p:cTn id="11" presetID="1" presetClass="entr" presetSubtype="0" fill="hold" grpId="0" nodeType="clickEffect">
+                                  <p:stCondLst>
+                                    <p:cond delay="0"/>
+                                  </p:stCondLst>
+                                  <p:childTnLst>
+                                    <p:set>
+                                      <p:cBhvr>
+                                        <p:cTn id="12" dur="1" fill="hold">
+                                          <p:stCondLst>
+                                            <p:cond delay="0"/>
+                                          </p:stCondLst>
+                                        </p:cTn>
+                                        <p:tgtEl>
+                                          <p:spTgt spid="3">
+                                            <p:txEl>
+                                              <p:pRg st="2" end="2"/>
+                                            </p:txEl>
+                                          </p:spTgt>
+                                        </p:tgtEl>
+                                        <p:attrNameLst>
+                                          <p:attrName>style.visibility</p:attrName>
+                                        </p:attrNameLst>
+                                      </p:cBhvr>
+                                      <p:to>
+                                        <p:strVal val="visible"/>
+                                      </p:to>
+                                    </p:set>
+                                  </p:childTnLst>
+                                </p:cTn>
+                              </p:par>
+                              <p:par>
+                                <p:cTn id="13" presetID="1" presetClass="entr" presetSubtype="0" fill="hold" grpId="0" nodeType="withEffect">
+                                  <p:stCondLst>
+                                    <p:cond delay="0"/>
+                                  </p:stCondLst>
+                                  <p:childTnLst>
+                                    <p:set>
+                                      <p:cBhvr>
+                                        <p:cTn id="14" dur="1" fill="hold">
+                                          <p:stCondLst>
+                                            <p:cond delay="0"/>
+                                          </p:stCondLst>
+                                        </p:cTn>
+                                        <p:tgtEl>
+                                          <p:spTgt spid="3">
+                                            <p:txEl>
+                                              <p:pRg st="3" end="3"/>
+                                            </p:txEl>
+                                          </p:spTgt>
+                                        </p:tgtEl>
+                                        <p:attrNameLst>
+                                          <p:attrName>style.visibility</p:attrName>
+                                        </p:attrNameLst>
+                                      </p:cBhvr>
+                                      <p:to>
+                                        <p:strVal val="visible"/>
+                                      </p:to>
+                                    </p:set>
+                                  </p:childTnLst>
+                                </p:cTn>
+                              </p:par>
+                              <p:par>
+                                <p:cTn id="15" presetID="1" presetClass="entr" presetSubtype="0" fill="hold" grpId="0" nodeType="withEffect">
+                                  <p:stCondLst>
+                                    <p:cond delay="0"/>
+                                  </p:stCondLst>
+                                  <p:childTnLst>
+                                    <p:set>
+                                      <p:cBhvr>
+                                        <p:cTn id="16" dur="1" fill="hold">
+                                          <p:stCondLst>
+                                            <p:cond delay="0"/>
+                                          </p:stCondLst>
+                                        </p:cTn>
+                                        <p:tgtEl>
+                                          <p:spTgt spid="3">
+                                            <p:txEl>
+                                              <p:pRg st="4" end="4"/>
+                                            </p:txEl>
+                                          </p:spTgt>
+                                        </p:tgtEl>
+                                        <p:attrNameLst>
+                                          <p:attrName>style.visibility</p:attrName>
+                                        </p:attrNameLst>
+                                      </p:cBhvr>
+                                      <p:to>
+                                        <p:strVal val="visible"/>
+                                      </p:to>
+                                    </p:set>
+                                  </p:childTnLst>
+                                </p:cTn>
+                              </p:par>
+                              <p:par>
+                                <p:cTn id="17" presetID="1" presetClass="entr" presetSubtype="0" fill="hold" grpId="0" nodeType="withEffect">
+                                  <p:stCondLst>
+                                    <p:cond delay="0"/>
+                                  </p:stCondLst>
+                                  <p:childTnLst>
+                                    <p:set>
+                                      <p:cBhvr>
+                                        <p:cTn id="18" dur="1" fill="hold">
+                                          <p:stCondLst>
+                                            <p:cond delay="0"/>
+                                          </p:stCondLst>
+                                        </p:cTn>
+                                        <p:tgtEl>
+                                          <p:spTgt spid="3">
+                                            <p:txEl>
+                                              <p:pRg st="5" end="5"/>
+                                            </p:txEl>
+                                          </p:spTgt>
+                                        </p:tgtEl>
+                                        <p:attrNameLst>
+                                          <p:attrName>style.visibility</p:attrName>
+                                        </p:attrNameLst>
+                                      </p:cBhvr>
+                                      <p:to>
+                                        <p:strVal val="visible"/>
+                                      </p:to>
+                                    </p:set>
+                                  </p:childTnLst>
+                                </p:cTn>
+                              </p:par>
+                              <p:par>
+                                <p:cTn id="19" presetID="1" presetClass="entr" presetSubtype="0" fill="hold" grpId="0" nodeType="withEffect">
+                                  <p:stCondLst>
+                                    <p:cond delay="0"/>
+                                  </p:stCondLst>
+                                  <p:childTnLst>
+                                    <p:set>
+                                      <p:cBhvr>
+                                        <p:cTn id="20" dur="1" fill="hold">
+                                          <p:stCondLst>
+                                            <p:cond delay="0"/>
+                                          </p:stCondLst>
+                                        </p:cTn>
+                                        <p:tgtEl>
+                                          <p:spTgt spid="3">
+                                            <p:txEl>
+                                              <p:pRg st="6" end="6"/>
+                                            </p:txEl>
+                                          </p:spTgt>
+                                        </p:tgtEl>
+                                        <p:attrNameLst>
+                                          <p:attrName>style.visibility</p:attrName>
+                                        </p:attrNameLst>
+                                      </p:cBhvr>
+                                      <p:to>
+                                        <p:strVal val="visible"/>
+                                      </p:to>
+                                    </p:set>
+                                  </p:childTnLst>
+                                </p:cTn>
+                              </p:par>
+                              <p:par>
+                                <p:cTn id="21" presetID="1" presetClass="entr" presetSubtype="0" fill="hold" grpId="0" nodeType="withEffect">
+                                  <p:stCondLst>
+                                    <p:cond delay="0"/>
+                                  </p:stCondLst>
+                                  <p:childTnLst>
+                                    <p:set>
+                                      <p:cBhvr>
+                                        <p:cTn id="22" dur="1" fill="hold">
+                                          <p:stCondLst>
+                                            <p:cond delay="0"/>
+                                          </p:stCondLst>
+                                        </p:cTn>
+                                        <p:tgtEl>
+                                          <p:spTgt spid="3">
+                                            <p:txEl>
+                                              <p:pRg st="7" end="7"/>
+                                            </p:txEl>
+                                          </p:spTgt>
+                                        </p:tgtEl>
+                                        <p:attrNameLst>
+                                          <p:attrName>style.visibility</p:attrName>
+                                        </p:attrNameLst>
+                                      </p:cBhvr>
+                                      <p:to>
+                                        <p:strVal val="visible"/>
+                                      </p:to>
+                                    </p:set>
+                                  </p:childTnLst>
+                                </p:cTn>
+                              </p:par>
+                            </p:childTnLst>
+                          </p:cTn>
+                        </p:par>
+                      </p:childTnLst>
+                    </p:cTn>
+                  </p:par>
+                </p:childTnLst>
+              </p:cTn>
+              <p:prevCondLst>
+                <p:cond evt="onPrev" delay="0">
+                  <p:tgtEl>
+                    <p:sldTgt/>
+                  </p:tgtEl>
+                </p:cond>
+              </p:prevCondLst>
+              <p:nextCondLst>
+                <p:cond evt="onNext" delay="0">
+                  <p:tgtEl>
+                    <p:sldTgt/>
+                  </p:tgtEl>
+                </p:cond>
+              </p:nextCondLst>
+            </p:seq>
+          </p:childTnLst>
+        </p:cTn>
+      </p:par>
+    </p:tnLst>
+    <p:bldLst>
+      <p:bldP spid="3" grpId="0" uiExpand="1" build="p"/>
+    </p:bldLst>
+  </p:timing>
 </p:sld>
 </file>
 
@@ -8003,13 +8642,8 @@
             <a:pPr lvl="1" fontAlgn="t"/>
             <a:r>
               <a:rPr lang="hu-HU" dirty="0"/>
-              <a:t>Osztás </a:t>
-            </a:r>
-            <a:r>
-              <a:rPr lang="hu-HU"/>
-              <a:t>kivonással stb..</a:t>
-            </a:r>
-            <a:endParaRPr lang="hu-HU" dirty="0"/>
+              <a:t>Osztás kivonással stb..</a:t>
+            </a:r>
           </a:p>
         </p:txBody>
       </p:sp>
@@ -8357,6 +8991,278 @@
   <p:clrMapOvr>
     <a:masterClrMapping/>
   </p:clrMapOvr>
+  <p:timing>
+    <p:tnLst>
+      <p:par>
+        <p:cTn id="1" dur="indefinite" restart="never" nodeType="tmRoot">
+          <p:childTnLst>
+            <p:seq concurrent="1" nextAc="seek">
+              <p:cTn id="2" dur="indefinite" nodeType="mainSeq">
+                <p:childTnLst>
+                  <p:par>
+                    <p:cTn id="3" fill="hold">
+                      <p:stCondLst>
+                        <p:cond delay="indefinite"/>
+                        <p:cond evt="onBegin" delay="0">
+                          <p:tn val="2"/>
+                        </p:cond>
+                      </p:stCondLst>
+                      <p:childTnLst>
+                        <p:par>
+                          <p:cTn id="4" fill="hold">
+                            <p:stCondLst>
+                              <p:cond delay="0"/>
+                            </p:stCondLst>
+                            <p:childTnLst>
+                              <p:par>
+                                <p:cTn id="5" presetID="1" presetClass="entr" presetSubtype="0" fill="hold" grpId="0" nodeType="afterEffect">
+                                  <p:stCondLst>
+                                    <p:cond delay="0"/>
+                                  </p:stCondLst>
+                                  <p:childTnLst>
+                                    <p:set>
+                                      <p:cBhvr>
+                                        <p:cTn id="6" dur="1" fill="hold">
+                                          <p:stCondLst>
+                                            <p:cond delay="0"/>
+                                          </p:stCondLst>
+                                        </p:cTn>
+                                        <p:tgtEl>
+                                          <p:spTgt spid="3">
+                                            <p:txEl>
+                                              <p:pRg st="0" end="0"/>
+                                            </p:txEl>
+                                          </p:spTgt>
+                                        </p:tgtEl>
+                                        <p:attrNameLst>
+                                          <p:attrName>style.visibility</p:attrName>
+                                        </p:attrNameLst>
+                                      </p:cBhvr>
+                                      <p:to>
+                                        <p:strVal val="visible"/>
+                                      </p:to>
+                                    </p:set>
+                                  </p:childTnLst>
+                                </p:cTn>
+                              </p:par>
+                              <p:par>
+                                <p:cTn id="7" presetID="1" presetClass="entr" presetSubtype="0" fill="hold" grpId="0" nodeType="withEffect">
+                                  <p:stCondLst>
+                                    <p:cond delay="0"/>
+                                  </p:stCondLst>
+                                  <p:childTnLst>
+                                    <p:set>
+                                      <p:cBhvr>
+                                        <p:cTn id="8" dur="1" fill="hold">
+                                          <p:stCondLst>
+                                            <p:cond delay="0"/>
+                                          </p:stCondLst>
+                                        </p:cTn>
+                                        <p:tgtEl>
+                                          <p:spTgt spid="3">
+                                            <p:txEl>
+                                              <p:pRg st="1" end="1"/>
+                                            </p:txEl>
+                                          </p:spTgt>
+                                        </p:tgtEl>
+                                        <p:attrNameLst>
+                                          <p:attrName>style.visibility</p:attrName>
+                                        </p:attrNameLst>
+                                      </p:cBhvr>
+                                      <p:to>
+                                        <p:strVal val="visible"/>
+                                      </p:to>
+                                    </p:set>
+                                  </p:childTnLst>
+                                </p:cTn>
+                              </p:par>
+                            </p:childTnLst>
+                          </p:cTn>
+                        </p:par>
+                      </p:childTnLst>
+                    </p:cTn>
+                  </p:par>
+                  <p:par>
+                    <p:cTn id="9" fill="hold">
+                      <p:stCondLst>
+                        <p:cond delay="indefinite"/>
+                      </p:stCondLst>
+                      <p:childTnLst>
+                        <p:par>
+                          <p:cTn id="10" fill="hold">
+                            <p:stCondLst>
+                              <p:cond delay="0"/>
+                            </p:stCondLst>
+                            <p:childTnLst>
+                              <p:par>
+                                <p:cTn id="11" presetID="1" presetClass="entr" presetSubtype="0" fill="hold" grpId="0" nodeType="clickEffect">
+                                  <p:stCondLst>
+                                    <p:cond delay="0"/>
+                                  </p:stCondLst>
+                                  <p:childTnLst>
+                                    <p:set>
+                                      <p:cBhvr>
+                                        <p:cTn id="12" dur="1" fill="hold">
+                                          <p:stCondLst>
+                                            <p:cond delay="0"/>
+                                          </p:stCondLst>
+                                        </p:cTn>
+                                        <p:tgtEl>
+                                          <p:spTgt spid="3">
+                                            <p:txEl>
+                                              <p:pRg st="2" end="2"/>
+                                            </p:txEl>
+                                          </p:spTgt>
+                                        </p:tgtEl>
+                                        <p:attrNameLst>
+                                          <p:attrName>style.visibility</p:attrName>
+                                        </p:attrNameLst>
+                                      </p:cBhvr>
+                                      <p:to>
+                                        <p:strVal val="visible"/>
+                                      </p:to>
+                                    </p:set>
+                                  </p:childTnLst>
+                                </p:cTn>
+                              </p:par>
+                              <p:par>
+                                <p:cTn id="13" presetID="1" presetClass="entr" presetSubtype="0" fill="hold" grpId="0" nodeType="withEffect">
+                                  <p:stCondLst>
+                                    <p:cond delay="0"/>
+                                  </p:stCondLst>
+                                  <p:childTnLst>
+                                    <p:set>
+                                      <p:cBhvr>
+                                        <p:cTn id="14" dur="1" fill="hold">
+                                          <p:stCondLst>
+                                            <p:cond delay="0"/>
+                                          </p:stCondLst>
+                                        </p:cTn>
+                                        <p:tgtEl>
+                                          <p:spTgt spid="3">
+                                            <p:txEl>
+                                              <p:pRg st="3" end="3"/>
+                                            </p:txEl>
+                                          </p:spTgt>
+                                        </p:tgtEl>
+                                        <p:attrNameLst>
+                                          <p:attrName>style.visibility</p:attrName>
+                                        </p:attrNameLst>
+                                      </p:cBhvr>
+                                      <p:to>
+                                        <p:strVal val="visible"/>
+                                      </p:to>
+                                    </p:set>
+                                  </p:childTnLst>
+                                </p:cTn>
+                              </p:par>
+                              <p:par>
+                                <p:cTn id="15" presetID="1" presetClass="entr" presetSubtype="0" fill="hold" grpId="0" nodeType="withEffect">
+                                  <p:stCondLst>
+                                    <p:cond delay="0"/>
+                                  </p:stCondLst>
+                                  <p:childTnLst>
+                                    <p:set>
+                                      <p:cBhvr>
+                                        <p:cTn id="16" dur="1" fill="hold">
+                                          <p:stCondLst>
+                                            <p:cond delay="0"/>
+                                          </p:stCondLst>
+                                        </p:cTn>
+                                        <p:tgtEl>
+                                          <p:spTgt spid="3">
+                                            <p:txEl>
+                                              <p:pRg st="4" end="4"/>
+                                            </p:txEl>
+                                          </p:spTgt>
+                                        </p:tgtEl>
+                                        <p:attrNameLst>
+                                          <p:attrName>style.visibility</p:attrName>
+                                        </p:attrNameLst>
+                                      </p:cBhvr>
+                                      <p:to>
+                                        <p:strVal val="visible"/>
+                                      </p:to>
+                                    </p:set>
+                                  </p:childTnLst>
+                                </p:cTn>
+                              </p:par>
+                            </p:childTnLst>
+                          </p:cTn>
+                        </p:par>
+                      </p:childTnLst>
+                    </p:cTn>
+                  </p:par>
+                  <p:par>
+                    <p:cTn id="17" fill="hold">
+                      <p:stCondLst>
+                        <p:cond delay="indefinite"/>
+                      </p:stCondLst>
+                      <p:childTnLst>
+                        <p:par>
+                          <p:cTn id="18" fill="hold">
+                            <p:stCondLst>
+                              <p:cond delay="0"/>
+                            </p:stCondLst>
+                            <p:childTnLst>
+                              <p:par>
+                                <p:cTn id="19" presetID="1" presetClass="entr" presetSubtype="0" fill="hold" nodeType="clickEffect">
+                                  <p:stCondLst>
+                                    <p:cond delay="0"/>
+                                  </p:stCondLst>
+                                  <p:childTnLst>
+                                    <p:set>
+                                      <p:cBhvr>
+                                        <p:cTn id="20" dur="1" fill="hold">
+                                          <p:stCondLst>
+                                            <p:cond delay="0"/>
+                                          </p:stCondLst>
+                                        </p:cTn>
+                                        <p:tgtEl>
+                                          <p:spTgt spid="6"/>
+                                        </p:tgtEl>
+                                        <p:attrNameLst>
+                                          <p:attrName>style.visibility</p:attrName>
+                                        </p:attrNameLst>
+                                      </p:cBhvr>
+                                      <p:to>
+                                        <p:strVal val="visible"/>
+                                      </p:to>
+                                    </p:set>
+                                  </p:childTnLst>
+                                </p:cTn>
+                              </p:par>
+                            </p:childTnLst>
+                          </p:cTn>
+                        </p:par>
+                      </p:childTnLst>
+                    </p:cTn>
+                  </p:par>
+                </p:childTnLst>
+              </p:cTn>
+              <p:prevCondLst>
+                <p:cond evt="onPrev" delay="0">
+                  <p:tgtEl>
+                    <p:sldTgt/>
+                  </p:tgtEl>
+                </p:cond>
+              </p:prevCondLst>
+              <p:nextCondLst>
+                <p:cond evt="onNext" delay="0">
+                  <p:tgtEl>
+                    <p:sldTgt/>
+                  </p:tgtEl>
+                </p:cond>
+              </p:nextCondLst>
+            </p:seq>
+          </p:childTnLst>
+        </p:cTn>
+      </p:par>
+    </p:tnLst>
+    <p:bldLst>
+      <p:bldP spid="3" grpId="0" uiExpand="1" build="p"/>
+    </p:bldLst>
+  </p:timing>
 </p:sld>
 </file>
 
@@ -8508,6 +9414,233 @@
   <p:clrMapOvr>
     <a:masterClrMapping/>
   </p:clrMapOvr>
+  <p:timing>
+    <p:tnLst>
+      <p:par>
+        <p:cTn id="1" dur="indefinite" restart="never" nodeType="tmRoot">
+          <p:childTnLst>
+            <p:seq concurrent="1" nextAc="seek">
+              <p:cTn id="2" dur="indefinite" nodeType="mainSeq">
+                <p:childTnLst>
+                  <p:par>
+                    <p:cTn id="3" fill="hold">
+                      <p:stCondLst>
+                        <p:cond delay="indefinite"/>
+                        <p:cond evt="onBegin" delay="0">
+                          <p:tn val="2"/>
+                        </p:cond>
+                      </p:stCondLst>
+                      <p:childTnLst>
+                        <p:par>
+                          <p:cTn id="4" fill="hold">
+                            <p:stCondLst>
+                              <p:cond delay="0"/>
+                            </p:stCondLst>
+                            <p:childTnLst>
+                              <p:par>
+                                <p:cTn id="5" presetID="1" presetClass="entr" presetSubtype="0" fill="hold" grpId="0" nodeType="withEffect">
+                                  <p:stCondLst>
+                                    <p:cond delay="0"/>
+                                  </p:stCondLst>
+                                  <p:childTnLst>
+                                    <p:set>
+                                      <p:cBhvr>
+                                        <p:cTn id="6" dur="1" fill="hold">
+                                          <p:stCondLst>
+                                            <p:cond delay="0"/>
+                                          </p:stCondLst>
+                                        </p:cTn>
+                                        <p:tgtEl>
+                                          <p:spTgt spid="3">
+                                            <p:txEl>
+                                              <p:pRg st="0" end="0"/>
+                                            </p:txEl>
+                                          </p:spTgt>
+                                        </p:tgtEl>
+                                        <p:attrNameLst>
+                                          <p:attrName>style.visibility</p:attrName>
+                                        </p:attrNameLst>
+                                      </p:cBhvr>
+                                      <p:to>
+                                        <p:strVal val="visible"/>
+                                      </p:to>
+                                    </p:set>
+                                  </p:childTnLst>
+                                </p:cTn>
+                              </p:par>
+                              <p:par>
+                                <p:cTn id="7" presetID="1" presetClass="entr" presetSubtype="0" fill="hold" grpId="0" nodeType="withEffect">
+                                  <p:stCondLst>
+                                    <p:cond delay="0"/>
+                                  </p:stCondLst>
+                                  <p:childTnLst>
+                                    <p:set>
+                                      <p:cBhvr>
+                                        <p:cTn id="8" dur="1" fill="hold">
+                                          <p:stCondLst>
+                                            <p:cond delay="0"/>
+                                          </p:stCondLst>
+                                        </p:cTn>
+                                        <p:tgtEl>
+                                          <p:spTgt spid="3">
+                                            <p:txEl>
+                                              <p:pRg st="1" end="1"/>
+                                            </p:txEl>
+                                          </p:spTgt>
+                                        </p:tgtEl>
+                                        <p:attrNameLst>
+                                          <p:attrName>style.visibility</p:attrName>
+                                        </p:attrNameLst>
+                                      </p:cBhvr>
+                                      <p:to>
+                                        <p:strVal val="visible"/>
+                                      </p:to>
+                                    </p:set>
+                                  </p:childTnLst>
+                                </p:cTn>
+                              </p:par>
+                            </p:childTnLst>
+                          </p:cTn>
+                        </p:par>
+                      </p:childTnLst>
+                    </p:cTn>
+                  </p:par>
+                  <p:par>
+                    <p:cTn id="9" fill="hold">
+                      <p:stCondLst>
+                        <p:cond delay="indefinite"/>
+                      </p:stCondLst>
+                      <p:childTnLst>
+                        <p:par>
+                          <p:cTn id="10" fill="hold">
+                            <p:stCondLst>
+                              <p:cond delay="0"/>
+                            </p:stCondLst>
+                            <p:childTnLst>
+                              <p:par>
+                                <p:cTn id="11" presetID="1" presetClass="entr" presetSubtype="0" fill="hold" grpId="0" nodeType="clickEffect">
+                                  <p:stCondLst>
+                                    <p:cond delay="0"/>
+                                  </p:stCondLst>
+                                  <p:childTnLst>
+                                    <p:set>
+                                      <p:cBhvr>
+                                        <p:cTn id="12" dur="1" fill="hold">
+                                          <p:stCondLst>
+                                            <p:cond delay="0"/>
+                                          </p:stCondLst>
+                                        </p:cTn>
+                                        <p:tgtEl>
+                                          <p:spTgt spid="3">
+                                            <p:txEl>
+                                              <p:pRg st="2" end="2"/>
+                                            </p:txEl>
+                                          </p:spTgt>
+                                        </p:tgtEl>
+                                        <p:attrNameLst>
+                                          <p:attrName>style.visibility</p:attrName>
+                                        </p:attrNameLst>
+                                      </p:cBhvr>
+                                      <p:to>
+                                        <p:strVal val="visible"/>
+                                      </p:to>
+                                    </p:set>
+                                  </p:childTnLst>
+                                </p:cTn>
+                              </p:par>
+                              <p:par>
+                                <p:cTn id="13" presetID="1" presetClass="entr" presetSubtype="0" fill="hold" grpId="0" nodeType="withEffect">
+                                  <p:stCondLst>
+                                    <p:cond delay="0"/>
+                                  </p:stCondLst>
+                                  <p:childTnLst>
+                                    <p:set>
+                                      <p:cBhvr>
+                                        <p:cTn id="14" dur="1" fill="hold">
+                                          <p:stCondLst>
+                                            <p:cond delay="0"/>
+                                          </p:stCondLst>
+                                        </p:cTn>
+                                        <p:tgtEl>
+                                          <p:spTgt spid="3">
+                                            <p:txEl>
+                                              <p:pRg st="3" end="3"/>
+                                            </p:txEl>
+                                          </p:spTgt>
+                                        </p:tgtEl>
+                                        <p:attrNameLst>
+                                          <p:attrName>style.visibility</p:attrName>
+                                        </p:attrNameLst>
+                                      </p:cBhvr>
+                                      <p:to>
+                                        <p:strVal val="visible"/>
+                                      </p:to>
+                                    </p:set>
+                                  </p:childTnLst>
+                                </p:cTn>
+                              </p:par>
+                              <p:par>
+                                <p:cTn id="15" presetID="1" presetClass="entr" presetSubtype="0" fill="hold" grpId="0" nodeType="withEffect">
+                                  <p:stCondLst>
+                                    <p:cond delay="0"/>
+                                  </p:stCondLst>
+                                  <p:childTnLst>
+                                    <p:set>
+                                      <p:cBhvr>
+                                        <p:cTn id="16" dur="1" fill="hold">
+                                          <p:stCondLst>
+                                            <p:cond delay="0"/>
+                                          </p:stCondLst>
+                                        </p:cTn>
+                                        <p:tgtEl>
+                                          <p:spTgt spid="3">
+                                            <p:txEl>
+                                              <p:pRg st="4" end="4"/>
+                                            </p:txEl>
+                                          </p:spTgt>
+                                        </p:tgtEl>
+                                        <p:attrNameLst>
+                                          <p:attrName>style.visibility</p:attrName>
+                                        </p:attrNameLst>
+                                      </p:cBhvr>
+                                      <p:to>
+                                        <p:strVal val="visible"/>
+                                      </p:to>
+                                    </p:set>
+                                  </p:childTnLst>
+                                </p:cTn>
+                              </p:par>
+                            </p:childTnLst>
+                          </p:cTn>
+                        </p:par>
+                      </p:childTnLst>
+                    </p:cTn>
+                  </p:par>
+                </p:childTnLst>
+              </p:cTn>
+              <p:prevCondLst>
+                <p:cond evt="onPrev" delay="0">
+                  <p:tgtEl>
+                    <p:sldTgt/>
+                  </p:tgtEl>
+                </p:cond>
+              </p:prevCondLst>
+              <p:nextCondLst>
+                <p:cond evt="onNext" delay="0">
+                  <p:tgtEl>
+                    <p:sldTgt/>
+                  </p:tgtEl>
+                </p:cond>
+              </p:nextCondLst>
+            </p:seq>
+          </p:childTnLst>
+        </p:cTn>
+      </p:par>
+    </p:tnLst>
+    <p:bldLst>
+      <p:bldP spid="3" grpId="0" uiExpand="1" build="p"/>
+    </p:bldLst>
+  </p:timing>
 </p:sld>
 </file>
 
@@ -8711,6 +9844,344 @@
   <p:clrMapOvr>
     <a:masterClrMapping/>
   </p:clrMapOvr>
+  <p:timing>
+    <p:tnLst>
+      <p:par>
+        <p:cTn id="1" dur="indefinite" restart="never" nodeType="tmRoot">
+          <p:childTnLst>
+            <p:seq concurrent="1" nextAc="seek">
+              <p:cTn id="2" dur="indefinite" nodeType="mainSeq">
+                <p:childTnLst>
+                  <p:par>
+                    <p:cTn id="3" fill="hold">
+                      <p:stCondLst>
+                        <p:cond delay="indefinite"/>
+                        <p:cond evt="onBegin" delay="0">
+                          <p:tn val="2"/>
+                        </p:cond>
+                      </p:stCondLst>
+                      <p:childTnLst>
+                        <p:par>
+                          <p:cTn id="4" fill="hold">
+                            <p:stCondLst>
+                              <p:cond delay="0"/>
+                            </p:stCondLst>
+                            <p:childTnLst>
+                              <p:par>
+                                <p:cTn id="5" presetID="1" presetClass="entr" presetSubtype="0" fill="hold" grpId="0" nodeType="withEffect">
+                                  <p:stCondLst>
+                                    <p:cond delay="0"/>
+                                  </p:stCondLst>
+                                  <p:childTnLst>
+                                    <p:set>
+                                      <p:cBhvr>
+                                        <p:cTn id="6" dur="1" fill="hold">
+                                          <p:stCondLst>
+                                            <p:cond delay="0"/>
+                                          </p:stCondLst>
+                                        </p:cTn>
+                                        <p:tgtEl>
+                                          <p:spTgt spid="3">
+                                            <p:txEl>
+                                              <p:pRg st="0" end="0"/>
+                                            </p:txEl>
+                                          </p:spTgt>
+                                        </p:tgtEl>
+                                        <p:attrNameLst>
+                                          <p:attrName>style.visibility</p:attrName>
+                                        </p:attrNameLst>
+                                      </p:cBhvr>
+                                      <p:to>
+                                        <p:strVal val="visible"/>
+                                      </p:to>
+                                    </p:set>
+                                  </p:childTnLst>
+                                </p:cTn>
+                              </p:par>
+                            </p:childTnLst>
+                          </p:cTn>
+                        </p:par>
+                      </p:childTnLst>
+                    </p:cTn>
+                  </p:par>
+                  <p:par>
+                    <p:cTn id="7" fill="hold">
+                      <p:stCondLst>
+                        <p:cond delay="indefinite"/>
+                      </p:stCondLst>
+                      <p:childTnLst>
+                        <p:par>
+                          <p:cTn id="8" fill="hold">
+                            <p:stCondLst>
+                              <p:cond delay="0"/>
+                            </p:stCondLst>
+                            <p:childTnLst>
+                              <p:par>
+                                <p:cTn id="9" presetID="1" presetClass="entr" presetSubtype="0" fill="hold" grpId="0" nodeType="clickEffect">
+                                  <p:stCondLst>
+                                    <p:cond delay="0"/>
+                                  </p:stCondLst>
+                                  <p:childTnLst>
+                                    <p:set>
+                                      <p:cBhvr>
+                                        <p:cTn id="10" dur="1" fill="hold">
+                                          <p:stCondLst>
+                                            <p:cond delay="0"/>
+                                          </p:stCondLst>
+                                        </p:cTn>
+                                        <p:tgtEl>
+                                          <p:spTgt spid="3">
+                                            <p:txEl>
+                                              <p:pRg st="1" end="1"/>
+                                            </p:txEl>
+                                          </p:spTgt>
+                                        </p:tgtEl>
+                                        <p:attrNameLst>
+                                          <p:attrName>style.visibility</p:attrName>
+                                        </p:attrNameLst>
+                                      </p:cBhvr>
+                                      <p:to>
+                                        <p:strVal val="visible"/>
+                                      </p:to>
+                                    </p:set>
+                                  </p:childTnLst>
+                                </p:cTn>
+                              </p:par>
+                              <p:par>
+                                <p:cTn id="11" presetID="1" presetClass="entr" presetSubtype="0" fill="hold" grpId="0" nodeType="withEffect">
+                                  <p:stCondLst>
+                                    <p:cond delay="0"/>
+                                  </p:stCondLst>
+                                  <p:childTnLst>
+                                    <p:set>
+                                      <p:cBhvr>
+                                        <p:cTn id="12" dur="1" fill="hold">
+                                          <p:stCondLst>
+                                            <p:cond delay="0"/>
+                                          </p:stCondLst>
+                                        </p:cTn>
+                                        <p:tgtEl>
+                                          <p:spTgt spid="3">
+                                            <p:txEl>
+                                              <p:pRg st="2" end="2"/>
+                                            </p:txEl>
+                                          </p:spTgt>
+                                        </p:tgtEl>
+                                        <p:attrNameLst>
+                                          <p:attrName>style.visibility</p:attrName>
+                                        </p:attrNameLst>
+                                      </p:cBhvr>
+                                      <p:to>
+                                        <p:strVal val="visible"/>
+                                      </p:to>
+                                    </p:set>
+                                  </p:childTnLst>
+                                </p:cTn>
+                              </p:par>
+                              <p:par>
+                                <p:cTn id="13" presetID="1" presetClass="entr" presetSubtype="0" fill="hold" grpId="0" nodeType="withEffect">
+                                  <p:stCondLst>
+                                    <p:cond delay="0"/>
+                                  </p:stCondLst>
+                                  <p:childTnLst>
+                                    <p:set>
+                                      <p:cBhvr>
+                                        <p:cTn id="14" dur="1" fill="hold">
+                                          <p:stCondLst>
+                                            <p:cond delay="0"/>
+                                          </p:stCondLst>
+                                        </p:cTn>
+                                        <p:tgtEl>
+                                          <p:spTgt spid="3">
+                                            <p:txEl>
+                                              <p:pRg st="3" end="3"/>
+                                            </p:txEl>
+                                          </p:spTgt>
+                                        </p:tgtEl>
+                                        <p:attrNameLst>
+                                          <p:attrName>style.visibility</p:attrName>
+                                        </p:attrNameLst>
+                                      </p:cBhvr>
+                                      <p:to>
+                                        <p:strVal val="visible"/>
+                                      </p:to>
+                                    </p:set>
+                                  </p:childTnLst>
+                                </p:cTn>
+                              </p:par>
+                            </p:childTnLst>
+                          </p:cTn>
+                        </p:par>
+                      </p:childTnLst>
+                    </p:cTn>
+                  </p:par>
+                  <p:par>
+                    <p:cTn id="15" fill="hold">
+                      <p:stCondLst>
+                        <p:cond delay="indefinite"/>
+                      </p:stCondLst>
+                      <p:childTnLst>
+                        <p:par>
+                          <p:cTn id="16" fill="hold">
+                            <p:stCondLst>
+                              <p:cond delay="0"/>
+                            </p:stCondLst>
+                            <p:childTnLst>
+                              <p:par>
+                                <p:cTn id="17" presetID="1" presetClass="entr" presetSubtype="0" fill="hold" grpId="0" nodeType="clickEffect">
+                                  <p:stCondLst>
+                                    <p:cond delay="0"/>
+                                  </p:stCondLst>
+                                  <p:childTnLst>
+                                    <p:set>
+                                      <p:cBhvr>
+                                        <p:cTn id="18" dur="1" fill="hold">
+                                          <p:stCondLst>
+                                            <p:cond delay="0"/>
+                                          </p:stCondLst>
+                                        </p:cTn>
+                                        <p:tgtEl>
+                                          <p:spTgt spid="3">
+                                            <p:txEl>
+                                              <p:pRg st="4" end="4"/>
+                                            </p:txEl>
+                                          </p:spTgt>
+                                        </p:tgtEl>
+                                        <p:attrNameLst>
+                                          <p:attrName>style.visibility</p:attrName>
+                                        </p:attrNameLst>
+                                      </p:cBhvr>
+                                      <p:to>
+                                        <p:strVal val="visible"/>
+                                      </p:to>
+                                    </p:set>
+                                  </p:childTnLst>
+                                </p:cTn>
+                              </p:par>
+                              <p:par>
+                                <p:cTn id="19" presetID="1" presetClass="entr" presetSubtype="0" fill="hold" grpId="0" nodeType="withEffect">
+                                  <p:stCondLst>
+                                    <p:cond delay="0"/>
+                                  </p:stCondLst>
+                                  <p:childTnLst>
+                                    <p:set>
+                                      <p:cBhvr>
+                                        <p:cTn id="20" dur="1" fill="hold">
+                                          <p:stCondLst>
+                                            <p:cond delay="0"/>
+                                          </p:stCondLst>
+                                        </p:cTn>
+                                        <p:tgtEl>
+                                          <p:spTgt spid="3">
+                                            <p:txEl>
+                                              <p:pRg st="5" end="5"/>
+                                            </p:txEl>
+                                          </p:spTgt>
+                                        </p:tgtEl>
+                                        <p:attrNameLst>
+                                          <p:attrName>style.visibility</p:attrName>
+                                        </p:attrNameLst>
+                                      </p:cBhvr>
+                                      <p:to>
+                                        <p:strVal val="visible"/>
+                                      </p:to>
+                                    </p:set>
+                                  </p:childTnLst>
+                                </p:cTn>
+                              </p:par>
+                              <p:par>
+                                <p:cTn id="21" presetID="1" presetClass="entr" presetSubtype="0" fill="hold" grpId="0" nodeType="withEffect">
+                                  <p:stCondLst>
+                                    <p:cond delay="0"/>
+                                  </p:stCondLst>
+                                  <p:childTnLst>
+                                    <p:set>
+                                      <p:cBhvr>
+                                        <p:cTn id="22" dur="1" fill="hold">
+                                          <p:stCondLst>
+                                            <p:cond delay="0"/>
+                                          </p:stCondLst>
+                                        </p:cTn>
+                                        <p:tgtEl>
+                                          <p:spTgt spid="3">
+                                            <p:txEl>
+                                              <p:pRg st="6" end="6"/>
+                                            </p:txEl>
+                                          </p:spTgt>
+                                        </p:tgtEl>
+                                        <p:attrNameLst>
+                                          <p:attrName>style.visibility</p:attrName>
+                                        </p:attrNameLst>
+                                      </p:cBhvr>
+                                      <p:to>
+                                        <p:strVal val="visible"/>
+                                      </p:to>
+                                    </p:set>
+                                  </p:childTnLst>
+                                </p:cTn>
+                              </p:par>
+                              <p:par>
+                                <p:cTn id="23" presetID="1" presetClass="entr" presetSubtype="0" fill="hold" grpId="0" nodeType="withEffect">
+                                  <p:stCondLst>
+                                    <p:cond delay="0"/>
+                                  </p:stCondLst>
+                                  <p:childTnLst>
+                                    <p:set>
+                                      <p:cBhvr>
+                                        <p:cTn id="24" dur="1" fill="hold">
+                                          <p:stCondLst>
+                                            <p:cond delay="0"/>
+                                          </p:stCondLst>
+                                        </p:cTn>
+                                        <p:tgtEl>
+                                          <p:spTgt spid="3">
+                                            <p:txEl>
+                                              <p:pRg st="7" end="7"/>
+                                            </p:txEl>
+                                          </p:spTgt>
+                                        </p:tgtEl>
+                                        <p:attrNameLst>
+                                          <p:attrName>style.visibility</p:attrName>
+                                        </p:attrNameLst>
+                                      </p:cBhvr>
+                                      <p:to>
+                                        <p:strVal val="visible"/>
+                                      </p:to>
+                                    </p:set>
+                                  </p:childTnLst>
+                                </p:cTn>
+                              </p:par>
+                            </p:childTnLst>
+                          </p:cTn>
+                        </p:par>
+                      </p:childTnLst>
+                    </p:cTn>
+                  </p:par>
+                </p:childTnLst>
+              </p:cTn>
+              <p:prevCondLst>
+                <p:cond evt="onPrev" delay="0">
+                  <p:tgtEl>
+                    <p:sldTgt/>
+                  </p:tgtEl>
+                </p:cond>
+              </p:prevCondLst>
+              <p:nextCondLst>
+                <p:cond evt="onNext" delay="0">
+                  <p:tgtEl>
+                    <p:sldTgt/>
+                  </p:tgtEl>
+                </p:cond>
+              </p:nextCondLst>
+            </p:seq>
+          </p:childTnLst>
+        </p:cTn>
+      </p:par>
+    </p:tnLst>
+    <p:bldLst>
+      <p:bldP spid="3" grpId="0" uiExpand="1" build="p"/>
+    </p:bldLst>
+  </p:timing>
 </p:sld>
 </file>
 
@@ -8905,6 +10376,371 @@
   <p:clrMapOvr>
     <a:masterClrMapping/>
   </p:clrMapOvr>
+  <p:timing>
+    <p:tnLst>
+      <p:par>
+        <p:cTn id="1" dur="indefinite" restart="never" nodeType="tmRoot">
+          <p:childTnLst>
+            <p:seq concurrent="1" nextAc="seek">
+              <p:cTn id="2" dur="indefinite" nodeType="mainSeq">
+                <p:childTnLst>
+                  <p:par>
+                    <p:cTn id="3" fill="hold">
+                      <p:stCondLst>
+                        <p:cond delay="indefinite"/>
+                        <p:cond evt="onBegin" delay="0">
+                          <p:tn val="2"/>
+                        </p:cond>
+                      </p:stCondLst>
+                      <p:childTnLst>
+                        <p:par>
+                          <p:cTn id="4" fill="hold">
+                            <p:stCondLst>
+                              <p:cond delay="0"/>
+                            </p:stCondLst>
+                            <p:childTnLst>
+                              <p:par>
+                                <p:cTn id="5" presetID="1" presetClass="entr" presetSubtype="0" fill="hold" grpId="0" nodeType="withEffect">
+                                  <p:stCondLst>
+                                    <p:cond delay="0"/>
+                                  </p:stCondLst>
+                                  <p:childTnLst>
+                                    <p:set>
+                                      <p:cBhvr>
+                                        <p:cTn id="6" dur="1" fill="hold">
+                                          <p:stCondLst>
+                                            <p:cond delay="0"/>
+                                          </p:stCondLst>
+                                        </p:cTn>
+                                        <p:tgtEl>
+                                          <p:spTgt spid="3">
+                                            <p:txEl>
+                                              <p:pRg st="0" end="0"/>
+                                            </p:txEl>
+                                          </p:spTgt>
+                                        </p:tgtEl>
+                                        <p:attrNameLst>
+                                          <p:attrName>style.visibility</p:attrName>
+                                        </p:attrNameLst>
+                                      </p:cBhvr>
+                                      <p:to>
+                                        <p:strVal val="visible"/>
+                                      </p:to>
+                                    </p:set>
+                                  </p:childTnLst>
+                                </p:cTn>
+                              </p:par>
+                            </p:childTnLst>
+                          </p:cTn>
+                        </p:par>
+                      </p:childTnLst>
+                    </p:cTn>
+                  </p:par>
+                  <p:par>
+                    <p:cTn id="7" fill="hold">
+                      <p:stCondLst>
+                        <p:cond delay="indefinite"/>
+                      </p:stCondLst>
+                      <p:childTnLst>
+                        <p:par>
+                          <p:cTn id="8" fill="hold">
+                            <p:stCondLst>
+                              <p:cond delay="0"/>
+                            </p:stCondLst>
+                            <p:childTnLst>
+                              <p:par>
+                                <p:cTn id="9" presetID="1" presetClass="entr" presetSubtype="0" fill="hold" grpId="0" nodeType="clickEffect">
+                                  <p:stCondLst>
+                                    <p:cond delay="0"/>
+                                  </p:stCondLst>
+                                  <p:childTnLst>
+                                    <p:set>
+                                      <p:cBhvr>
+                                        <p:cTn id="10" dur="1" fill="hold">
+                                          <p:stCondLst>
+                                            <p:cond delay="0"/>
+                                          </p:stCondLst>
+                                        </p:cTn>
+                                        <p:tgtEl>
+                                          <p:spTgt spid="3">
+                                            <p:txEl>
+                                              <p:pRg st="1" end="1"/>
+                                            </p:txEl>
+                                          </p:spTgt>
+                                        </p:tgtEl>
+                                        <p:attrNameLst>
+                                          <p:attrName>style.visibility</p:attrName>
+                                        </p:attrNameLst>
+                                      </p:cBhvr>
+                                      <p:to>
+                                        <p:strVal val="visible"/>
+                                      </p:to>
+                                    </p:set>
+                                  </p:childTnLst>
+                                </p:cTn>
+                              </p:par>
+                              <p:par>
+                                <p:cTn id="11" presetID="1" presetClass="entr" presetSubtype="0" fill="hold" grpId="0" nodeType="withEffect">
+                                  <p:stCondLst>
+                                    <p:cond delay="0"/>
+                                  </p:stCondLst>
+                                  <p:childTnLst>
+                                    <p:set>
+                                      <p:cBhvr>
+                                        <p:cTn id="12" dur="1" fill="hold">
+                                          <p:stCondLst>
+                                            <p:cond delay="0"/>
+                                          </p:stCondLst>
+                                        </p:cTn>
+                                        <p:tgtEl>
+                                          <p:spTgt spid="3">
+                                            <p:txEl>
+                                              <p:pRg st="2" end="2"/>
+                                            </p:txEl>
+                                          </p:spTgt>
+                                        </p:tgtEl>
+                                        <p:attrNameLst>
+                                          <p:attrName>style.visibility</p:attrName>
+                                        </p:attrNameLst>
+                                      </p:cBhvr>
+                                      <p:to>
+                                        <p:strVal val="visible"/>
+                                      </p:to>
+                                    </p:set>
+                                  </p:childTnLst>
+                                </p:cTn>
+                              </p:par>
+                              <p:par>
+                                <p:cTn id="13" presetID="1" presetClass="entr" presetSubtype="0" fill="hold" grpId="0" nodeType="withEffect">
+                                  <p:stCondLst>
+                                    <p:cond delay="0"/>
+                                  </p:stCondLst>
+                                  <p:childTnLst>
+                                    <p:set>
+                                      <p:cBhvr>
+                                        <p:cTn id="14" dur="1" fill="hold">
+                                          <p:stCondLst>
+                                            <p:cond delay="0"/>
+                                          </p:stCondLst>
+                                        </p:cTn>
+                                        <p:tgtEl>
+                                          <p:spTgt spid="3">
+                                            <p:txEl>
+                                              <p:pRg st="3" end="3"/>
+                                            </p:txEl>
+                                          </p:spTgt>
+                                        </p:tgtEl>
+                                        <p:attrNameLst>
+                                          <p:attrName>style.visibility</p:attrName>
+                                        </p:attrNameLst>
+                                      </p:cBhvr>
+                                      <p:to>
+                                        <p:strVal val="visible"/>
+                                      </p:to>
+                                    </p:set>
+                                  </p:childTnLst>
+                                </p:cTn>
+                              </p:par>
+                              <p:par>
+                                <p:cTn id="15" presetID="1" presetClass="entr" presetSubtype="0" fill="hold" grpId="0" nodeType="withEffect">
+                                  <p:stCondLst>
+                                    <p:cond delay="0"/>
+                                  </p:stCondLst>
+                                  <p:childTnLst>
+                                    <p:set>
+                                      <p:cBhvr>
+                                        <p:cTn id="16" dur="1" fill="hold">
+                                          <p:stCondLst>
+                                            <p:cond delay="0"/>
+                                          </p:stCondLst>
+                                        </p:cTn>
+                                        <p:tgtEl>
+                                          <p:spTgt spid="3">
+                                            <p:txEl>
+                                              <p:pRg st="4" end="4"/>
+                                            </p:txEl>
+                                          </p:spTgt>
+                                        </p:tgtEl>
+                                        <p:attrNameLst>
+                                          <p:attrName>style.visibility</p:attrName>
+                                        </p:attrNameLst>
+                                      </p:cBhvr>
+                                      <p:to>
+                                        <p:strVal val="visible"/>
+                                      </p:to>
+                                    </p:set>
+                                  </p:childTnLst>
+                                </p:cTn>
+                              </p:par>
+                              <p:par>
+                                <p:cTn id="17" presetID="1" presetClass="entr" presetSubtype="0" fill="hold" nodeType="withEffect">
+                                  <p:stCondLst>
+                                    <p:cond delay="0"/>
+                                  </p:stCondLst>
+                                  <p:childTnLst>
+                                    <p:set>
+                                      <p:cBhvr>
+                                        <p:cTn id="18" dur="1" fill="hold">
+                                          <p:stCondLst>
+                                            <p:cond delay="0"/>
+                                          </p:stCondLst>
+                                        </p:cTn>
+                                        <p:tgtEl>
+                                          <p:spTgt spid="5"/>
+                                        </p:tgtEl>
+                                        <p:attrNameLst>
+                                          <p:attrName>style.visibility</p:attrName>
+                                        </p:attrNameLst>
+                                      </p:cBhvr>
+                                      <p:to>
+                                        <p:strVal val="visible"/>
+                                      </p:to>
+                                    </p:set>
+                                  </p:childTnLst>
+                                </p:cTn>
+                              </p:par>
+                            </p:childTnLst>
+                          </p:cTn>
+                        </p:par>
+                      </p:childTnLst>
+                    </p:cTn>
+                  </p:par>
+                  <p:par>
+                    <p:cTn id="19" fill="hold">
+                      <p:stCondLst>
+                        <p:cond delay="indefinite"/>
+                      </p:stCondLst>
+                      <p:childTnLst>
+                        <p:par>
+                          <p:cTn id="20" fill="hold">
+                            <p:stCondLst>
+                              <p:cond delay="0"/>
+                            </p:stCondLst>
+                            <p:childTnLst>
+                              <p:par>
+                                <p:cTn id="21" presetID="1" presetClass="entr" presetSubtype="0" fill="hold" grpId="0" nodeType="clickEffect">
+                                  <p:stCondLst>
+                                    <p:cond delay="0"/>
+                                  </p:stCondLst>
+                                  <p:childTnLst>
+                                    <p:set>
+                                      <p:cBhvr>
+                                        <p:cTn id="22" dur="1" fill="hold">
+                                          <p:stCondLst>
+                                            <p:cond delay="0"/>
+                                          </p:stCondLst>
+                                        </p:cTn>
+                                        <p:tgtEl>
+                                          <p:spTgt spid="3">
+                                            <p:txEl>
+                                              <p:pRg st="5" end="5"/>
+                                            </p:txEl>
+                                          </p:spTgt>
+                                        </p:tgtEl>
+                                        <p:attrNameLst>
+                                          <p:attrName>style.visibility</p:attrName>
+                                        </p:attrNameLst>
+                                      </p:cBhvr>
+                                      <p:to>
+                                        <p:strVal val="visible"/>
+                                      </p:to>
+                                    </p:set>
+                                  </p:childTnLst>
+                                </p:cTn>
+                              </p:par>
+                              <p:par>
+                                <p:cTn id="23" presetID="1" presetClass="entr" presetSubtype="0" fill="hold" grpId="0" nodeType="withEffect">
+                                  <p:stCondLst>
+                                    <p:cond delay="0"/>
+                                  </p:stCondLst>
+                                  <p:childTnLst>
+                                    <p:set>
+                                      <p:cBhvr>
+                                        <p:cTn id="24" dur="1" fill="hold">
+                                          <p:stCondLst>
+                                            <p:cond delay="0"/>
+                                          </p:stCondLst>
+                                        </p:cTn>
+                                        <p:tgtEl>
+                                          <p:spTgt spid="3">
+                                            <p:txEl>
+                                              <p:pRg st="6" end="6"/>
+                                            </p:txEl>
+                                          </p:spTgt>
+                                        </p:tgtEl>
+                                        <p:attrNameLst>
+                                          <p:attrName>style.visibility</p:attrName>
+                                        </p:attrNameLst>
+                                      </p:cBhvr>
+                                      <p:to>
+                                        <p:strVal val="visible"/>
+                                      </p:to>
+                                    </p:set>
+                                  </p:childTnLst>
+                                </p:cTn>
+                              </p:par>
+                              <p:par>
+                                <p:cTn id="25" presetID="1" presetClass="entr" presetSubtype="0" fill="hold" grpId="0" nodeType="withEffect">
+                                  <p:stCondLst>
+                                    <p:cond delay="0"/>
+                                  </p:stCondLst>
+                                  <p:childTnLst>
+                                    <p:set>
+                                      <p:cBhvr>
+                                        <p:cTn id="26" dur="1" fill="hold">
+                                          <p:stCondLst>
+                                            <p:cond delay="0"/>
+                                          </p:stCondLst>
+                                        </p:cTn>
+                                        <p:tgtEl>
+                                          <p:spTgt spid="3">
+                                            <p:txEl>
+                                              <p:pRg st="7" end="7"/>
+                                            </p:txEl>
+                                          </p:spTgt>
+                                        </p:tgtEl>
+                                        <p:attrNameLst>
+                                          <p:attrName>style.visibility</p:attrName>
+                                        </p:attrNameLst>
+                                      </p:cBhvr>
+                                      <p:to>
+                                        <p:strVal val="visible"/>
+                                      </p:to>
+                                    </p:set>
+                                  </p:childTnLst>
+                                </p:cTn>
+                              </p:par>
+                            </p:childTnLst>
+                          </p:cTn>
+                        </p:par>
+                      </p:childTnLst>
+                    </p:cTn>
+                  </p:par>
+                </p:childTnLst>
+              </p:cTn>
+              <p:prevCondLst>
+                <p:cond evt="onPrev" delay="0">
+                  <p:tgtEl>
+                    <p:sldTgt/>
+                  </p:tgtEl>
+                </p:cond>
+              </p:prevCondLst>
+              <p:nextCondLst>
+                <p:cond evt="onNext" delay="0">
+                  <p:tgtEl>
+                    <p:sldTgt/>
+                  </p:tgtEl>
+                </p:cond>
+              </p:nextCondLst>
+            </p:seq>
+          </p:childTnLst>
+        </p:cTn>
+      </p:par>
+    </p:tnLst>
+    <p:bldLst>
+      <p:bldP spid="3" grpId="0" uiExpand="1" build="p"/>
+    </p:bldLst>
+  </p:timing>
 </p:sld>
 </file>
 
@@ -9111,6 +10947,309 @@
   <p:clrMapOvr>
     <a:masterClrMapping/>
   </p:clrMapOvr>
+  <p:timing>
+    <p:tnLst>
+      <p:par>
+        <p:cTn id="1" dur="indefinite" restart="never" nodeType="tmRoot">
+          <p:childTnLst>
+            <p:seq concurrent="1" nextAc="seek">
+              <p:cTn id="2" dur="indefinite" nodeType="mainSeq">
+                <p:childTnLst>
+                  <p:par>
+                    <p:cTn id="3" fill="hold">
+                      <p:stCondLst>
+                        <p:cond delay="indefinite"/>
+                        <p:cond evt="onBegin" delay="0">
+                          <p:tn val="2"/>
+                        </p:cond>
+                      </p:stCondLst>
+                      <p:childTnLst>
+                        <p:par>
+                          <p:cTn id="4" fill="hold">
+                            <p:stCondLst>
+                              <p:cond delay="0"/>
+                            </p:stCondLst>
+                            <p:childTnLst>
+                              <p:par>
+                                <p:cTn id="5" presetID="1" presetClass="entr" presetSubtype="0" fill="hold" grpId="0" nodeType="withEffect">
+                                  <p:stCondLst>
+                                    <p:cond delay="0"/>
+                                  </p:stCondLst>
+                                  <p:childTnLst>
+                                    <p:set>
+                                      <p:cBhvr>
+                                        <p:cTn id="6" dur="1" fill="hold">
+                                          <p:stCondLst>
+                                            <p:cond delay="0"/>
+                                          </p:stCondLst>
+                                        </p:cTn>
+                                        <p:tgtEl>
+                                          <p:spTgt spid="3">
+                                            <p:txEl>
+                                              <p:pRg st="0" end="0"/>
+                                            </p:txEl>
+                                          </p:spTgt>
+                                        </p:tgtEl>
+                                        <p:attrNameLst>
+                                          <p:attrName>style.visibility</p:attrName>
+                                        </p:attrNameLst>
+                                      </p:cBhvr>
+                                      <p:to>
+                                        <p:strVal val="visible"/>
+                                      </p:to>
+                                    </p:set>
+                                  </p:childTnLst>
+                                </p:cTn>
+                              </p:par>
+                            </p:childTnLst>
+                          </p:cTn>
+                        </p:par>
+                      </p:childTnLst>
+                    </p:cTn>
+                  </p:par>
+                  <p:par>
+                    <p:cTn id="7" fill="hold">
+                      <p:stCondLst>
+                        <p:cond delay="indefinite"/>
+                      </p:stCondLst>
+                      <p:childTnLst>
+                        <p:par>
+                          <p:cTn id="8" fill="hold">
+                            <p:stCondLst>
+                              <p:cond delay="0"/>
+                            </p:stCondLst>
+                            <p:childTnLst>
+                              <p:par>
+                                <p:cTn id="9" presetID="1" presetClass="entr" presetSubtype="0" fill="hold" grpId="0" nodeType="clickEffect">
+                                  <p:stCondLst>
+                                    <p:cond delay="0"/>
+                                  </p:stCondLst>
+                                  <p:childTnLst>
+                                    <p:set>
+                                      <p:cBhvr>
+                                        <p:cTn id="10" dur="1" fill="hold">
+                                          <p:stCondLst>
+                                            <p:cond delay="0"/>
+                                          </p:stCondLst>
+                                        </p:cTn>
+                                        <p:tgtEl>
+                                          <p:spTgt spid="3">
+                                            <p:txEl>
+                                              <p:pRg st="1" end="1"/>
+                                            </p:txEl>
+                                          </p:spTgt>
+                                        </p:tgtEl>
+                                        <p:attrNameLst>
+                                          <p:attrName>style.visibility</p:attrName>
+                                        </p:attrNameLst>
+                                      </p:cBhvr>
+                                      <p:to>
+                                        <p:strVal val="visible"/>
+                                      </p:to>
+                                    </p:set>
+                                  </p:childTnLst>
+                                </p:cTn>
+                              </p:par>
+                              <p:par>
+                                <p:cTn id="11" presetID="1" presetClass="entr" presetSubtype="0" fill="hold" grpId="0" nodeType="withEffect">
+                                  <p:stCondLst>
+                                    <p:cond delay="0"/>
+                                  </p:stCondLst>
+                                  <p:childTnLst>
+                                    <p:set>
+                                      <p:cBhvr>
+                                        <p:cTn id="12" dur="1" fill="hold">
+                                          <p:stCondLst>
+                                            <p:cond delay="0"/>
+                                          </p:stCondLst>
+                                        </p:cTn>
+                                        <p:tgtEl>
+                                          <p:spTgt spid="3">
+                                            <p:txEl>
+                                              <p:pRg st="2" end="2"/>
+                                            </p:txEl>
+                                          </p:spTgt>
+                                        </p:tgtEl>
+                                        <p:attrNameLst>
+                                          <p:attrName>style.visibility</p:attrName>
+                                        </p:attrNameLst>
+                                      </p:cBhvr>
+                                      <p:to>
+                                        <p:strVal val="visible"/>
+                                      </p:to>
+                                    </p:set>
+                                  </p:childTnLst>
+                                </p:cTn>
+                              </p:par>
+                              <p:par>
+                                <p:cTn id="13" presetID="1" presetClass="entr" presetSubtype="0" fill="hold" nodeType="withEffect">
+                                  <p:stCondLst>
+                                    <p:cond delay="0"/>
+                                  </p:stCondLst>
+                                  <p:childTnLst>
+                                    <p:set>
+                                      <p:cBhvr>
+                                        <p:cTn id="14" dur="1" fill="hold">
+                                          <p:stCondLst>
+                                            <p:cond delay="0"/>
+                                          </p:stCondLst>
+                                        </p:cTn>
+                                        <p:tgtEl>
+                                          <p:spTgt spid="6"/>
+                                        </p:tgtEl>
+                                        <p:attrNameLst>
+                                          <p:attrName>style.visibility</p:attrName>
+                                        </p:attrNameLst>
+                                      </p:cBhvr>
+                                      <p:to>
+                                        <p:strVal val="visible"/>
+                                      </p:to>
+                                    </p:set>
+                                  </p:childTnLst>
+                                </p:cTn>
+                              </p:par>
+                            </p:childTnLst>
+                          </p:cTn>
+                        </p:par>
+                      </p:childTnLst>
+                    </p:cTn>
+                  </p:par>
+                  <p:par>
+                    <p:cTn id="15" fill="hold">
+                      <p:stCondLst>
+                        <p:cond delay="indefinite"/>
+                      </p:stCondLst>
+                      <p:childTnLst>
+                        <p:par>
+                          <p:cTn id="16" fill="hold">
+                            <p:stCondLst>
+                              <p:cond delay="0"/>
+                            </p:stCondLst>
+                            <p:childTnLst>
+                              <p:par>
+                                <p:cTn id="17" presetID="1" presetClass="entr" presetSubtype="0" fill="hold" grpId="0" nodeType="clickEffect">
+                                  <p:stCondLst>
+                                    <p:cond delay="0"/>
+                                  </p:stCondLst>
+                                  <p:childTnLst>
+                                    <p:set>
+                                      <p:cBhvr>
+                                        <p:cTn id="18" dur="1" fill="hold">
+                                          <p:stCondLst>
+                                            <p:cond delay="0"/>
+                                          </p:stCondLst>
+                                        </p:cTn>
+                                        <p:tgtEl>
+                                          <p:spTgt spid="3">
+                                            <p:txEl>
+                                              <p:pRg st="7" end="7"/>
+                                            </p:txEl>
+                                          </p:spTgt>
+                                        </p:tgtEl>
+                                        <p:attrNameLst>
+                                          <p:attrName>style.visibility</p:attrName>
+                                        </p:attrNameLst>
+                                      </p:cBhvr>
+                                      <p:to>
+                                        <p:strVal val="visible"/>
+                                      </p:to>
+                                    </p:set>
+                                  </p:childTnLst>
+                                </p:cTn>
+                              </p:par>
+                              <p:par>
+                                <p:cTn id="19" presetID="1" presetClass="entr" presetSubtype="0" fill="hold" grpId="0" nodeType="withEffect">
+                                  <p:stCondLst>
+                                    <p:cond delay="0"/>
+                                  </p:stCondLst>
+                                  <p:childTnLst>
+                                    <p:set>
+                                      <p:cBhvr>
+                                        <p:cTn id="20" dur="1" fill="hold">
+                                          <p:stCondLst>
+                                            <p:cond delay="0"/>
+                                          </p:stCondLst>
+                                        </p:cTn>
+                                        <p:tgtEl>
+                                          <p:spTgt spid="3">
+                                            <p:txEl>
+                                              <p:pRg st="8" end="8"/>
+                                            </p:txEl>
+                                          </p:spTgt>
+                                        </p:tgtEl>
+                                        <p:attrNameLst>
+                                          <p:attrName>style.visibility</p:attrName>
+                                        </p:attrNameLst>
+                                      </p:cBhvr>
+                                      <p:to>
+                                        <p:strVal val="visible"/>
+                                      </p:to>
+                                    </p:set>
+                                  </p:childTnLst>
+                                </p:cTn>
+                              </p:par>
+                              <p:par>
+                                <p:cTn id="21" presetID="1" presetClass="entr" presetSubtype="0" fill="hold" grpId="0" nodeType="withEffect">
+                                  <p:stCondLst>
+                                    <p:cond delay="0"/>
+                                  </p:stCondLst>
+                                  <p:childTnLst>
+                                    <p:set>
+                                      <p:cBhvr>
+                                        <p:cTn id="22" dur="1" fill="hold">
+                                          <p:stCondLst>
+                                            <p:cond delay="0"/>
+                                          </p:stCondLst>
+                                        </p:cTn>
+                                        <p:tgtEl>
+                                          <p:spTgt spid="3">
+                                            <p:txEl>
+                                              <p:pRg st="9" end="9"/>
+                                            </p:txEl>
+                                          </p:spTgt>
+                                        </p:tgtEl>
+                                        <p:attrNameLst>
+                                          <p:attrName>style.visibility</p:attrName>
+                                        </p:attrNameLst>
+                                      </p:cBhvr>
+                                      <p:to>
+                                        <p:strVal val="visible"/>
+                                      </p:to>
+                                    </p:set>
+                                  </p:childTnLst>
+                                </p:cTn>
+                              </p:par>
+                            </p:childTnLst>
+                          </p:cTn>
+                        </p:par>
+                      </p:childTnLst>
+                    </p:cTn>
+                  </p:par>
+                </p:childTnLst>
+              </p:cTn>
+              <p:prevCondLst>
+                <p:cond evt="onPrev" delay="0">
+                  <p:tgtEl>
+                    <p:sldTgt/>
+                  </p:tgtEl>
+                </p:cond>
+              </p:prevCondLst>
+              <p:nextCondLst>
+                <p:cond evt="onNext" delay="0">
+                  <p:tgtEl>
+                    <p:sldTgt/>
+                  </p:tgtEl>
+                </p:cond>
+              </p:nextCondLst>
+            </p:seq>
+          </p:childTnLst>
+        </p:cTn>
+      </p:par>
+    </p:tnLst>
+    <p:bldLst>
+      <p:bldP spid="3" grpId="0" uiExpand="1" build="p"/>
+    </p:bldLst>
+  </p:timing>
 </p:sld>
 </file>
 
